--- a/Network Architecture/Network Architecture.pptx
+++ b/Network Architecture/Network Architecture.pptx
@@ -6,6 +6,7 @@
   </p:sldMasterIdLst>
   <p:sldIdLst>
     <p:sldId id="256" r:id="rId2"/>
+    <p:sldId id="257" r:id="rId3"/>
   </p:sldIdLst>
   <p:sldSz cx="12192000" cy="6858000"/>
   <p:notesSz cx="6858000" cy="9144000"/>
@@ -261,7 +262,7 @@
           <a:p>
             <a:fld id="{814D3574-6039-4368-9A93-FA8C6DEC1BA7}" type="datetimeFigureOut">
               <a:rPr lang="en-SG" smtClean="0"/>
-              <a:t>6/2/2020</a:t>
+              <a:t>24/8/2020</a:t>
             </a:fld>
             <a:endParaRPr lang="en-SG"/>
           </a:p>
@@ -461,7 +462,7 @@
           <a:p>
             <a:fld id="{814D3574-6039-4368-9A93-FA8C6DEC1BA7}" type="datetimeFigureOut">
               <a:rPr lang="en-SG" smtClean="0"/>
-              <a:t>6/2/2020</a:t>
+              <a:t>24/8/2020</a:t>
             </a:fld>
             <a:endParaRPr lang="en-SG"/>
           </a:p>
@@ -671,7 +672,7 @@
           <a:p>
             <a:fld id="{814D3574-6039-4368-9A93-FA8C6DEC1BA7}" type="datetimeFigureOut">
               <a:rPr lang="en-SG" smtClean="0"/>
-              <a:t>6/2/2020</a:t>
+              <a:t>24/8/2020</a:t>
             </a:fld>
             <a:endParaRPr lang="en-SG"/>
           </a:p>
@@ -871,7 +872,7 @@
           <a:p>
             <a:fld id="{814D3574-6039-4368-9A93-FA8C6DEC1BA7}" type="datetimeFigureOut">
               <a:rPr lang="en-SG" smtClean="0"/>
-              <a:t>6/2/2020</a:t>
+              <a:t>24/8/2020</a:t>
             </a:fld>
             <a:endParaRPr lang="en-SG"/>
           </a:p>
@@ -1147,7 +1148,7 @@
           <a:p>
             <a:fld id="{814D3574-6039-4368-9A93-FA8C6DEC1BA7}" type="datetimeFigureOut">
               <a:rPr lang="en-SG" smtClean="0"/>
-              <a:t>6/2/2020</a:t>
+              <a:t>24/8/2020</a:t>
             </a:fld>
             <a:endParaRPr lang="en-SG"/>
           </a:p>
@@ -1415,7 +1416,7 @@
           <a:p>
             <a:fld id="{814D3574-6039-4368-9A93-FA8C6DEC1BA7}" type="datetimeFigureOut">
               <a:rPr lang="en-SG" smtClean="0"/>
-              <a:t>6/2/2020</a:t>
+              <a:t>24/8/2020</a:t>
             </a:fld>
             <a:endParaRPr lang="en-SG"/>
           </a:p>
@@ -1830,7 +1831,7 @@
           <a:p>
             <a:fld id="{814D3574-6039-4368-9A93-FA8C6DEC1BA7}" type="datetimeFigureOut">
               <a:rPr lang="en-SG" smtClean="0"/>
-              <a:t>6/2/2020</a:t>
+              <a:t>24/8/2020</a:t>
             </a:fld>
             <a:endParaRPr lang="en-SG"/>
           </a:p>
@@ -1972,7 +1973,7 @@
           <a:p>
             <a:fld id="{814D3574-6039-4368-9A93-FA8C6DEC1BA7}" type="datetimeFigureOut">
               <a:rPr lang="en-SG" smtClean="0"/>
-              <a:t>6/2/2020</a:t>
+              <a:t>24/8/2020</a:t>
             </a:fld>
             <a:endParaRPr lang="en-SG"/>
           </a:p>
@@ -2085,7 +2086,7 @@
           <a:p>
             <a:fld id="{814D3574-6039-4368-9A93-FA8C6DEC1BA7}" type="datetimeFigureOut">
               <a:rPr lang="en-SG" smtClean="0"/>
-              <a:t>6/2/2020</a:t>
+              <a:t>24/8/2020</a:t>
             </a:fld>
             <a:endParaRPr lang="en-SG"/>
           </a:p>
@@ -2398,7 +2399,7 @@
           <a:p>
             <a:fld id="{814D3574-6039-4368-9A93-FA8C6DEC1BA7}" type="datetimeFigureOut">
               <a:rPr lang="en-SG" smtClean="0"/>
-              <a:t>6/2/2020</a:t>
+              <a:t>24/8/2020</a:t>
             </a:fld>
             <a:endParaRPr lang="en-SG"/>
           </a:p>
@@ -2687,7 +2688,7 @@
           <a:p>
             <a:fld id="{814D3574-6039-4368-9A93-FA8C6DEC1BA7}" type="datetimeFigureOut">
               <a:rPr lang="en-SG" smtClean="0"/>
-              <a:t>6/2/2020</a:t>
+              <a:t>24/8/2020</a:t>
             </a:fld>
             <a:endParaRPr lang="en-SG"/>
           </a:p>
@@ -2930,7 +2931,7 @@
           <a:p>
             <a:fld id="{814D3574-6039-4368-9A93-FA8C6DEC1BA7}" type="datetimeFigureOut">
               <a:rPr lang="en-SG" smtClean="0"/>
-              <a:t>6/2/2020</a:t>
+              <a:t>24/8/2020</a:t>
             </a:fld>
             <a:endParaRPr lang="en-SG"/>
           </a:p>
@@ -4445,7 +4446,7 @@
           <a:lstStyle/>
           <a:p>
             <a:r>
-              <a:rPr lang="en-SG" b="1" dirty="0" smtClean="0">
+              <a:rPr lang="en-SG" b="1" dirty="0">
                 <a:solidFill>
                   <a:srgbClr val="002060"/>
                 </a:solidFill>
@@ -4457,7 +4458,7 @@
           </a:p>
           <a:p>
             <a:r>
-              <a:rPr lang="en-SG" b="1" dirty="0" smtClean="0">
+              <a:rPr lang="en-SG" b="1" dirty="0">
                 <a:solidFill>
                   <a:srgbClr val="002060"/>
                 </a:solidFill>
@@ -4466,13 +4467,6 @@
               </a:rPr>
               <a:t>192.168.101.0/24</a:t>
             </a:r>
-            <a:endParaRPr lang="en-SG" b="1" dirty="0">
-              <a:solidFill>
-                <a:srgbClr val="002060"/>
-              </a:solidFill>
-              <a:latin typeface="Arial" panose="020B0604020202020204" pitchFamily="34" charset="0"/>
-              <a:cs typeface="Arial" panose="020B0604020202020204" pitchFamily="34" charset="0"/>
-            </a:endParaRPr>
           </a:p>
         </p:txBody>
       </p:sp>
@@ -4499,7 +4493,7 @@
           <a:lstStyle/>
           <a:p>
             <a:r>
-              <a:rPr lang="en-SG" b="1" dirty="0" smtClean="0">
+              <a:rPr lang="en-SG" b="1" dirty="0">
                 <a:solidFill>
                   <a:srgbClr val="7030A0"/>
                 </a:solidFill>
@@ -4511,7 +4505,7 @@
           </a:p>
           <a:p>
             <a:r>
-              <a:rPr lang="en-SG" b="1" dirty="0" smtClean="0">
+              <a:rPr lang="en-SG" b="1" dirty="0">
                 <a:solidFill>
                   <a:srgbClr val="7030A0"/>
                 </a:solidFill>
@@ -4520,13 +4514,6 @@
               </a:rPr>
               <a:t>192.168.100.0/24</a:t>
             </a:r>
-            <a:endParaRPr lang="en-SG" b="1" dirty="0">
-              <a:solidFill>
-                <a:srgbClr val="7030A0"/>
-              </a:solidFill>
-              <a:latin typeface="Arial" panose="020B0604020202020204" pitchFamily="34" charset="0"/>
-              <a:cs typeface="Arial" panose="020B0604020202020204" pitchFamily="34" charset="0"/>
-            </a:endParaRPr>
           </a:p>
         </p:txBody>
       </p:sp>
@@ -4553,7 +4540,7 @@
           <a:lstStyle/>
           <a:p>
             <a:r>
-              <a:rPr lang="en-SG" b="1" dirty="0" smtClean="0">
+              <a:rPr lang="en-SG" b="1" dirty="0">
                 <a:solidFill>
                   <a:schemeClr val="accent2">
                     <a:lumMod val="75000"/>
@@ -4567,7 +4554,7 @@
           </a:p>
           <a:p>
             <a:r>
-              <a:rPr lang="en-SG" b="1" dirty="0" smtClean="0">
+              <a:rPr lang="en-SG" b="1" dirty="0">
                 <a:solidFill>
                   <a:schemeClr val="accent2">
                     <a:lumMod val="75000"/>
@@ -4578,15 +4565,6 @@
               </a:rPr>
               <a:t>10.10.3.0/24</a:t>
             </a:r>
-            <a:endParaRPr lang="en-SG" b="1" dirty="0">
-              <a:solidFill>
-                <a:schemeClr val="accent2">
-                  <a:lumMod val="75000"/>
-                </a:schemeClr>
-              </a:solidFill>
-              <a:latin typeface="Arial" panose="020B0604020202020204" pitchFamily="34" charset="0"/>
-              <a:cs typeface="Arial" panose="020B0604020202020204" pitchFamily="34" charset="0"/>
-            </a:endParaRPr>
           </a:p>
         </p:txBody>
       </p:sp>
@@ -4756,7 +4734,7 @@
           <a:lstStyle/>
           <a:p>
             <a:r>
-              <a:rPr lang="en-SG" b="1" dirty="0" smtClean="0">
+              <a:rPr lang="en-SG" b="1" dirty="0">
                 <a:solidFill>
                   <a:srgbClr val="00B050"/>
                 </a:solidFill>
@@ -4768,7 +4746,7 @@
           </a:p>
           <a:p>
             <a:r>
-              <a:rPr lang="en-SG" b="1" dirty="0" smtClean="0">
+              <a:rPr lang="en-SG" b="1" dirty="0">
                 <a:solidFill>
                   <a:srgbClr val="00B050"/>
                 </a:solidFill>
@@ -4777,13 +4755,6 @@
               </a:rPr>
               <a:t>192.168.1.0/24</a:t>
             </a:r>
-            <a:endParaRPr lang="en-SG" b="1" dirty="0">
-              <a:solidFill>
-                <a:srgbClr val="00B050"/>
-              </a:solidFill>
-              <a:latin typeface="Arial" panose="020B0604020202020204" pitchFamily="34" charset="0"/>
-              <a:cs typeface="Arial" panose="020B0604020202020204" pitchFamily="34" charset="0"/>
-            </a:endParaRPr>
           </a:p>
         </p:txBody>
       </p:sp>
@@ -4810,7 +4781,7 @@
           <a:lstStyle/>
           <a:p>
             <a:r>
-              <a:rPr lang="en-SG" b="1" dirty="0" smtClean="0">
+              <a:rPr lang="en-SG" b="1" dirty="0">
                 <a:solidFill>
                   <a:schemeClr val="accent4"/>
                 </a:solidFill>
@@ -4820,7 +4791,7 @@
               <a:t>DMZ</a:t>
             </a:r>
             <a:br>
-              <a:rPr lang="en-SG" b="1" dirty="0" smtClean="0">
+              <a:rPr lang="en-SG" b="1" dirty="0">
                 <a:solidFill>
                   <a:schemeClr val="accent4"/>
                 </a:solidFill>
@@ -4829,7 +4800,7 @@
               </a:rPr>
             </a:br>
             <a:r>
-              <a:rPr lang="en-SG" b="1" dirty="0" smtClean="0">
+              <a:rPr lang="en-SG" b="1" dirty="0">
                 <a:solidFill>
                   <a:schemeClr val="accent4"/>
                 </a:solidFill>
@@ -4838,13 +4809,6 @@
               </a:rPr>
               <a:t>192.168.2.0/24</a:t>
             </a:r>
-            <a:endParaRPr lang="en-SG" b="1" dirty="0">
-              <a:solidFill>
-                <a:schemeClr val="accent4"/>
-              </a:solidFill>
-              <a:latin typeface="Arial" panose="020B0604020202020204" pitchFamily="34" charset="0"/>
-              <a:cs typeface="Arial" panose="020B0604020202020204" pitchFamily="34" charset="0"/>
-            </a:endParaRPr>
           </a:p>
         </p:txBody>
       </p:sp>
@@ -4890,16 +4854,8 @@
           <a:lstStyle/>
           <a:p>
             <a:pPr algn="ctr"/>
-            <a:r>
-              <a:rPr lang="en-SG" dirty="0" smtClean="0">
-                <a:solidFill>
-                  <a:schemeClr val="tx1"/>
-                </a:solidFill>
-              </a:rPr>
-              <a:t/>
-            </a:r>
             <a:br>
-              <a:rPr lang="en-SG" dirty="0" smtClean="0">
+              <a:rPr lang="en-SG" dirty="0">
                 <a:solidFill>
                   <a:schemeClr val="tx1"/>
                 </a:solidFill>
@@ -4936,20 +4892,20 @@
           <a:lstStyle/>
           <a:p>
             <a:r>
-              <a:rPr lang="en-SG" b="1" dirty="0" smtClean="0">
+              <a:rPr lang="en-SG" b="1" dirty="0">
                 <a:latin typeface="Arial" panose="020B0604020202020204" pitchFamily="34" charset="0"/>
                 <a:cs typeface="Arial" panose="020B0604020202020204" pitchFamily="34" charset="0"/>
               </a:rPr>
               <a:t>Internet(Simu)</a:t>
             </a:r>
             <a:br>
-              <a:rPr lang="en-SG" b="1" dirty="0" smtClean="0">
+              <a:rPr lang="en-SG" b="1" dirty="0">
                 <a:latin typeface="Arial" panose="020B0604020202020204" pitchFamily="34" charset="0"/>
                 <a:cs typeface="Arial" panose="020B0604020202020204" pitchFamily="34" charset="0"/>
               </a:rPr>
             </a:br>
             <a:r>
-              <a:rPr lang="en-SG" sz="1400" b="1" dirty="0" smtClean="0">
+              <a:rPr lang="en-SG" sz="1400" b="1" dirty="0">
                 <a:latin typeface="Arial" panose="020B0604020202020204" pitchFamily="34" charset="0"/>
                 <a:cs typeface="Arial" panose="020B0604020202020204" pitchFamily="34" charset="0"/>
               </a:rPr>
@@ -5071,7 +5027,7 @@
           <a:lstStyle/>
           <a:p>
             <a:r>
-              <a:rPr lang="en-SG" b="1" dirty="0" smtClean="0">
+              <a:rPr lang="en-SG" b="1" dirty="0">
                 <a:solidFill>
                   <a:srgbClr val="0070C0"/>
                 </a:solidFill>
@@ -5083,7 +5039,7 @@
           </a:p>
           <a:p>
             <a:r>
-              <a:rPr lang="en-SG" b="1" dirty="0" smtClean="0">
+              <a:rPr lang="en-SG" b="1" dirty="0">
                 <a:solidFill>
                   <a:srgbClr val="0070C0"/>
                 </a:solidFill>
@@ -5092,13 +5048,6 @@
               </a:rPr>
               <a:t>172.16.1.0/24</a:t>
             </a:r>
-            <a:endParaRPr lang="en-SG" b="1" dirty="0">
-              <a:solidFill>
-                <a:srgbClr val="0070C0"/>
-              </a:solidFill>
-              <a:latin typeface="Arial" panose="020B0604020202020204" pitchFamily="34" charset="0"/>
-              <a:cs typeface="Arial" panose="020B0604020202020204" pitchFamily="34" charset="0"/>
-            </a:endParaRPr>
           </a:p>
         </p:txBody>
       </p:sp>
@@ -5125,16 +5074,12 @@
           <a:lstStyle/>
           <a:p>
             <a:r>
-              <a:rPr lang="en-SG" b="1" dirty="0" smtClean="0">
+              <a:rPr lang="en-SG" b="1" dirty="0">
                 <a:latin typeface="Arial" panose="020B0604020202020204" pitchFamily="34" charset="0"/>
                 <a:cs typeface="Arial" panose="020B0604020202020204" pitchFamily="34" charset="0"/>
               </a:rPr>
               <a:t>AD DS, DNS</a:t>
             </a:r>
-            <a:endParaRPr lang="en-SG" b="1" dirty="0">
-              <a:latin typeface="Arial" panose="020B0604020202020204" pitchFamily="34" charset="0"/>
-              <a:cs typeface="Arial" panose="020B0604020202020204" pitchFamily="34" charset="0"/>
-            </a:endParaRPr>
           </a:p>
         </p:txBody>
       </p:sp>
@@ -5161,7 +5106,7 @@
           <a:lstStyle/>
           <a:p>
             <a:r>
-              <a:rPr lang="en-SG" sz="1400" b="1" dirty="0" smtClean="0">
+              <a:rPr lang="en-SG" sz="1400" b="1" dirty="0">
                 <a:solidFill>
                   <a:srgbClr val="FF0000"/>
                 </a:solidFill>
@@ -5170,13 +5115,6 @@
               </a:rPr>
               <a:t>Core Router</a:t>
             </a:r>
-            <a:endParaRPr lang="en-SG" sz="1400" b="1" dirty="0">
-              <a:solidFill>
-                <a:srgbClr val="FF0000"/>
-              </a:solidFill>
-              <a:latin typeface="Arial" panose="020B0604020202020204" pitchFamily="34" charset="0"/>
-              <a:cs typeface="Arial" panose="020B0604020202020204" pitchFamily="34" charset="0"/>
-            </a:endParaRPr>
           </a:p>
         </p:txBody>
       </p:sp>
@@ -5203,7 +5141,7 @@
           <a:lstStyle/>
           <a:p>
             <a:r>
-              <a:rPr lang="en-SG" sz="1400" b="1" dirty="0" smtClean="0">
+              <a:rPr lang="en-SG" sz="1400" b="1" dirty="0">
                 <a:solidFill>
                   <a:srgbClr val="FF0000"/>
                 </a:solidFill>
@@ -5212,13 +5150,6 @@
               </a:rPr>
               <a:t>Firewall</a:t>
             </a:r>
-            <a:endParaRPr lang="en-SG" sz="1400" b="1" dirty="0">
-              <a:solidFill>
-                <a:srgbClr val="FF0000"/>
-              </a:solidFill>
-              <a:latin typeface="Arial" panose="020B0604020202020204" pitchFamily="34" charset="0"/>
-              <a:cs typeface="Arial" panose="020B0604020202020204" pitchFamily="34" charset="0"/>
-            </a:endParaRPr>
           </a:p>
         </p:txBody>
       </p:sp>
@@ -5245,7 +5176,7 @@
           <a:lstStyle/>
           <a:p>
             <a:r>
-              <a:rPr lang="en-SG" sz="1400" b="1" dirty="0" smtClean="0">
+              <a:rPr lang="en-SG" sz="1400" b="1" dirty="0">
                 <a:solidFill>
                   <a:srgbClr val="FF0000"/>
                 </a:solidFill>
@@ -5254,13 +5185,6 @@
               </a:rPr>
               <a:t>Firewall</a:t>
             </a:r>
-            <a:endParaRPr lang="en-SG" sz="1400" b="1" dirty="0">
-              <a:solidFill>
-                <a:srgbClr val="FF0000"/>
-              </a:solidFill>
-              <a:latin typeface="Arial" panose="020B0604020202020204" pitchFamily="34" charset="0"/>
-              <a:cs typeface="Arial" panose="020B0604020202020204" pitchFamily="34" charset="0"/>
-            </a:endParaRPr>
           </a:p>
         </p:txBody>
       </p:sp>
@@ -5287,7 +5211,7 @@
           <a:lstStyle/>
           <a:p>
             <a:r>
-              <a:rPr lang="en-SG" sz="1400" b="1" dirty="0" smtClean="0">
+              <a:rPr lang="en-SG" sz="1400" b="1" dirty="0">
                 <a:solidFill>
                   <a:srgbClr val="FF0000"/>
                 </a:solidFill>
@@ -5296,13 +5220,6 @@
               </a:rPr>
               <a:t>Firewall</a:t>
             </a:r>
-            <a:endParaRPr lang="en-SG" sz="1400" b="1" dirty="0">
-              <a:solidFill>
-                <a:srgbClr val="FF0000"/>
-              </a:solidFill>
-              <a:latin typeface="Arial" panose="020B0604020202020204" pitchFamily="34" charset="0"/>
-              <a:cs typeface="Arial" panose="020B0604020202020204" pitchFamily="34" charset="0"/>
-            </a:endParaRPr>
           </a:p>
         </p:txBody>
       </p:sp>
@@ -5329,7 +5246,7 @@
           <a:lstStyle/>
           <a:p>
             <a:r>
-              <a:rPr lang="en-SG" sz="1400" b="1" dirty="0" smtClean="0">
+              <a:rPr lang="en-SG" sz="1400" b="1" dirty="0">
                 <a:solidFill>
                   <a:srgbClr val="FF0000"/>
                 </a:solidFill>
@@ -5338,13 +5255,6 @@
               </a:rPr>
               <a:t>Firewall</a:t>
             </a:r>
-            <a:endParaRPr lang="en-SG" sz="1400" b="1" dirty="0">
-              <a:solidFill>
-                <a:srgbClr val="FF0000"/>
-              </a:solidFill>
-              <a:latin typeface="Arial" panose="020B0604020202020204" pitchFamily="34" charset="0"/>
-              <a:cs typeface="Arial" panose="020B0604020202020204" pitchFamily="34" charset="0"/>
-            </a:endParaRPr>
           </a:p>
         </p:txBody>
       </p:sp>
@@ -5371,7 +5281,7 @@
           <a:lstStyle/>
           <a:p>
             <a:r>
-              <a:rPr lang="en-SG" sz="1400" b="1" dirty="0" smtClean="0">
+              <a:rPr lang="en-SG" sz="1400" b="1" dirty="0">
                 <a:solidFill>
                   <a:srgbClr val="FF0000"/>
                 </a:solidFill>
@@ -5380,13 +5290,6 @@
               </a:rPr>
               <a:t>Router</a:t>
             </a:r>
-            <a:endParaRPr lang="en-SG" sz="1400" b="1" dirty="0">
-              <a:solidFill>
-                <a:srgbClr val="FF0000"/>
-              </a:solidFill>
-              <a:latin typeface="Arial" panose="020B0604020202020204" pitchFamily="34" charset="0"/>
-              <a:cs typeface="Arial" panose="020B0604020202020204" pitchFamily="34" charset="0"/>
-            </a:endParaRPr>
           </a:p>
         </p:txBody>
       </p:sp>
@@ -5413,7 +5316,7 @@
           <a:lstStyle/>
           <a:p>
             <a:r>
-              <a:rPr lang="en-SG" sz="1400" b="1" dirty="0" smtClean="0">
+              <a:rPr lang="en-SG" sz="1400" b="1" dirty="0">
                 <a:solidFill>
                   <a:srgbClr val="FF0000"/>
                 </a:solidFill>
@@ -5422,13 +5325,6 @@
               </a:rPr>
               <a:t>Router</a:t>
             </a:r>
-            <a:endParaRPr lang="en-SG" sz="1400" b="1" dirty="0">
-              <a:solidFill>
-                <a:srgbClr val="FF0000"/>
-              </a:solidFill>
-              <a:latin typeface="Arial" panose="020B0604020202020204" pitchFamily="34" charset="0"/>
-              <a:cs typeface="Arial" panose="020B0604020202020204" pitchFamily="34" charset="0"/>
-            </a:endParaRPr>
           </a:p>
         </p:txBody>
       </p:sp>
@@ -5455,7 +5351,7 @@
           <a:lstStyle/>
           <a:p>
             <a:r>
-              <a:rPr lang="en-SG" sz="1400" b="1" dirty="0" smtClean="0">
+              <a:rPr lang="en-SG" sz="1400" b="1" dirty="0">
                 <a:solidFill>
                   <a:srgbClr val="FF0000"/>
                 </a:solidFill>
@@ -5464,13 +5360,6 @@
               </a:rPr>
               <a:t>Switch</a:t>
             </a:r>
-            <a:endParaRPr lang="en-SG" sz="1400" b="1" dirty="0">
-              <a:solidFill>
-                <a:srgbClr val="FF0000"/>
-              </a:solidFill>
-              <a:latin typeface="Arial" panose="020B0604020202020204" pitchFamily="34" charset="0"/>
-              <a:cs typeface="Arial" panose="020B0604020202020204" pitchFamily="34" charset="0"/>
-            </a:endParaRPr>
           </a:p>
         </p:txBody>
       </p:sp>
@@ -5497,7 +5386,7 @@
           <a:lstStyle/>
           <a:p>
             <a:r>
-              <a:rPr lang="en-SG" sz="1400" b="1" dirty="0" smtClean="0">
+              <a:rPr lang="en-SG" sz="1400" b="1" dirty="0">
                 <a:solidFill>
                   <a:srgbClr val="FF0000"/>
                 </a:solidFill>
@@ -5506,13 +5395,6 @@
               </a:rPr>
               <a:t>Switch</a:t>
             </a:r>
-            <a:endParaRPr lang="en-SG" sz="1400" b="1" dirty="0">
-              <a:solidFill>
-                <a:srgbClr val="FF0000"/>
-              </a:solidFill>
-              <a:latin typeface="Arial" panose="020B0604020202020204" pitchFamily="34" charset="0"/>
-              <a:cs typeface="Arial" panose="020B0604020202020204" pitchFamily="34" charset="0"/>
-            </a:endParaRPr>
           </a:p>
         </p:txBody>
       </p:sp>
@@ -5539,7 +5421,7 @@
           <a:lstStyle/>
           <a:p>
             <a:r>
-              <a:rPr lang="en-SG" sz="1400" b="1" dirty="0" smtClean="0">
+              <a:rPr lang="en-SG" sz="1400" b="1" dirty="0">
                 <a:solidFill>
                   <a:srgbClr val="FF0000"/>
                 </a:solidFill>
@@ -5548,13 +5430,6 @@
               </a:rPr>
               <a:t>Switch</a:t>
             </a:r>
-            <a:endParaRPr lang="en-SG" sz="1400" b="1" dirty="0">
-              <a:solidFill>
-                <a:srgbClr val="FF0000"/>
-              </a:solidFill>
-              <a:latin typeface="Arial" panose="020B0604020202020204" pitchFamily="34" charset="0"/>
-              <a:cs typeface="Arial" panose="020B0604020202020204" pitchFamily="34" charset="0"/>
-            </a:endParaRPr>
           </a:p>
         </p:txBody>
       </p:sp>
@@ -5581,7 +5456,7 @@
           <a:lstStyle/>
           <a:p>
             <a:r>
-              <a:rPr lang="en-SG" sz="1400" b="1" dirty="0" smtClean="0">
+              <a:rPr lang="en-SG" sz="1400" b="1" dirty="0">
                 <a:solidFill>
                   <a:srgbClr val="FF0000"/>
                 </a:solidFill>
@@ -5590,13 +5465,6 @@
               </a:rPr>
               <a:t>Switch</a:t>
             </a:r>
-            <a:endParaRPr lang="en-SG" sz="1400" b="1" dirty="0">
-              <a:solidFill>
-                <a:srgbClr val="FF0000"/>
-              </a:solidFill>
-              <a:latin typeface="Arial" panose="020B0604020202020204" pitchFamily="34" charset="0"/>
-              <a:cs typeface="Arial" panose="020B0604020202020204" pitchFamily="34" charset="0"/>
-            </a:endParaRPr>
           </a:p>
         </p:txBody>
       </p:sp>
@@ -5623,7 +5491,7 @@
           <a:lstStyle/>
           <a:p>
             <a:r>
-              <a:rPr lang="en-SG" sz="1400" b="1" dirty="0" smtClean="0">
+              <a:rPr lang="en-SG" sz="1400" b="1" dirty="0">
                 <a:solidFill>
                   <a:srgbClr val="FF0000"/>
                 </a:solidFill>
@@ -5632,13 +5500,6 @@
               </a:rPr>
               <a:t>Switch</a:t>
             </a:r>
-            <a:endParaRPr lang="en-SG" sz="1400" b="1" dirty="0">
-              <a:solidFill>
-                <a:srgbClr val="FF0000"/>
-              </a:solidFill>
-              <a:latin typeface="Arial" panose="020B0604020202020204" pitchFamily="34" charset="0"/>
-              <a:cs typeface="Arial" panose="020B0604020202020204" pitchFamily="34" charset="0"/>
-            </a:endParaRPr>
           </a:p>
         </p:txBody>
       </p:sp>
@@ -5665,7 +5526,7 @@
           <a:lstStyle/>
           <a:p>
             <a:r>
-              <a:rPr lang="en-SG" sz="1400" b="1" dirty="0" smtClean="0">
+              <a:rPr lang="en-SG" sz="1400" b="1" dirty="0">
                 <a:solidFill>
                   <a:srgbClr val="FF0000"/>
                 </a:solidFill>
@@ -5674,13 +5535,6 @@
               </a:rPr>
               <a:t>Switch</a:t>
             </a:r>
-            <a:endParaRPr lang="en-SG" sz="1400" b="1" dirty="0">
-              <a:solidFill>
-                <a:srgbClr val="FF0000"/>
-              </a:solidFill>
-              <a:latin typeface="Arial" panose="020B0604020202020204" pitchFamily="34" charset="0"/>
-              <a:cs typeface="Arial" panose="020B0604020202020204" pitchFamily="34" charset="0"/>
-            </a:endParaRPr>
           </a:p>
         </p:txBody>
       </p:sp>
@@ -5688,6 +5542,736 @@
     <p:extLst>
       <p:ext uri="{BB962C8B-B14F-4D97-AF65-F5344CB8AC3E}">
         <p14:creationId xmlns:p14="http://schemas.microsoft.com/office/powerpoint/2010/main" val="1028071090"/>
+      </p:ext>
+    </p:extLst>
+  </p:cSld>
+  <p:clrMapOvr>
+    <a:masterClrMapping/>
+  </p:clrMapOvr>
+</p:sld>
+</file>
+
+<file path=ppt/slides/slide2.xml><?xml version="1.0" encoding="utf-8"?>
+<p:sld xmlns:a="http://schemas.openxmlformats.org/drawingml/2006/main" xmlns:r="http://schemas.openxmlformats.org/officeDocument/2006/relationships" xmlns:p="http://schemas.openxmlformats.org/presentationml/2006/main">
+  <p:cSld>
+    <p:bg>
+      <p:bgPr>
+        <a:solidFill>
+          <a:schemeClr val="bg1"/>
+        </a:solidFill>
+        <a:effectLst/>
+      </p:bgPr>
+    </p:bg>
+    <p:spTree>
+      <p:nvGrpSpPr>
+        <p:cNvPr id="1" name=""/>
+        <p:cNvGrpSpPr/>
+        <p:nvPr/>
+      </p:nvGrpSpPr>
+      <p:grpSpPr>
+        <a:xfrm>
+          <a:off x="0" y="0"/>
+          <a:ext cx="0" cy="0"/>
+          <a:chOff x="0" y="0"/>
+          <a:chExt cx="0" cy="0"/>
+        </a:xfrm>
+      </p:grpSpPr>
+      <p:sp>
+        <p:nvSpPr>
+          <p:cNvPr id="5" name="Cloud 4">
+            <a:extLst>
+              <a:ext uri="{FF2B5EF4-FFF2-40B4-BE49-F238E27FC236}">
+                <a16:creationId xmlns:a16="http://schemas.microsoft.com/office/drawing/2014/main" id="{9295D35F-CB3A-4886-9D3F-98CB3ED6C9A3}"/>
+              </a:ext>
+            </a:extLst>
+          </p:cNvPr>
+          <p:cNvSpPr/>
+          <p:nvPr/>
+        </p:nvSpPr>
+        <p:spPr>
+          <a:xfrm>
+            <a:off x="1034094" y="1096962"/>
+            <a:ext cx="2033197" cy="1275847"/>
+          </a:xfrm>
+          <a:prstGeom prst="cloud">
+            <a:avLst/>
+          </a:prstGeom>
+          <a:noFill/>
+          <a:ln w="25400">
+            <a:solidFill>
+              <a:schemeClr val="tx1"/>
+            </a:solidFill>
+          </a:ln>
+        </p:spPr>
+        <p:style>
+          <a:lnRef idx="2">
+            <a:schemeClr val="accent1">
+              <a:shade val="50000"/>
+            </a:schemeClr>
+          </a:lnRef>
+          <a:fillRef idx="1">
+            <a:schemeClr val="accent1"/>
+          </a:fillRef>
+          <a:effectRef idx="0">
+            <a:schemeClr val="accent1"/>
+          </a:effectRef>
+          <a:fontRef idx="minor">
+            <a:schemeClr val="lt1"/>
+          </a:fontRef>
+        </p:style>
+        <p:txBody>
+          <a:bodyPr rtlCol="0" anchor="ctr"/>
+          <a:lstStyle/>
+          <a:p>
+            <a:pPr algn="ctr"/>
+            <a:r>
+              <a:rPr lang="en-SG" sz="2400" dirty="0">
+                <a:solidFill>
+                  <a:schemeClr val="tx1"/>
+                </a:solidFill>
+              </a:rPr>
+              <a:t>Internet</a:t>
+            </a:r>
+          </a:p>
+        </p:txBody>
+      </p:sp>
+      <p:pic>
+        <p:nvPicPr>
+          <p:cNvPr id="7" name="Picture 6">
+            <a:extLst>
+              <a:ext uri="{FF2B5EF4-FFF2-40B4-BE49-F238E27FC236}">
+                <a16:creationId xmlns:a16="http://schemas.microsoft.com/office/drawing/2014/main" id="{E71B291C-AA48-4968-8928-B723D055869F}"/>
+              </a:ext>
+            </a:extLst>
+          </p:cNvPr>
+          <p:cNvPicPr>
+            <a:picLocks noChangeAspect="1"/>
+          </p:cNvPicPr>
+          <p:nvPr/>
+        </p:nvPicPr>
+        <p:blipFill>
+          <a:blip r:embed="rId2">
+            <a:extLst>
+              <a:ext uri="{28A0092B-C50C-407E-A947-70E740481C1C}">
+                <a14:useLocalDpi xmlns:a14="http://schemas.microsoft.com/office/drawing/2010/main" val="0"/>
+              </a:ext>
+            </a:extLst>
+          </a:blip>
+          <a:stretch>
+            <a:fillRect/>
+          </a:stretch>
+        </p:blipFill>
+        <p:spPr>
+          <a:xfrm>
+            <a:off x="4349912" y="1302400"/>
+            <a:ext cx="680352" cy="864970"/>
+          </a:xfrm>
+          <a:prstGeom prst="rect">
+            <a:avLst/>
+          </a:prstGeom>
+        </p:spPr>
+      </p:pic>
+      <p:pic>
+        <p:nvPicPr>
+          <p:cNvPr id="9" name="Picture 8">
+            <a:extLst>
+              <a:ext uri="{FF2B5EF4-FFF2-40B4-BE49-F238E27FC236}">
+                <a16:creationId xmlns:a16="http://schemas.microsoft.com/office/drawing/2014/main" id="{4767C38F-996A-405E-AC3C-7EE45214F06E}"/>
+              </a:ext>
+            </a:extLst>
+          </p:cNvPr>
+          <p:cNvPicPr>
+            <a:picLocks noChangeAspect="1"/>
+          </p:cNvPicPr>
+          <p:nvPr/>
+        </p:nvPicPr>
+        <p:blipFill>
+          <a:blip r:embed="rId2">
+            <a:extLst>
+              <a:ext uri="{28A0092B-C50C-407E-A947-70E740481C1C}">
+                <a14:useLocalDpi xmlns:a14="http://schemas.microsoft.com/office/drawing/2010/main" val="0"/>
+              </a:ext>
+            </a:extLst>
+          </a:blip>
+          <a:stretch>
+            <a:fillRect/>
+          </a:stretch>
+        </p:blipFill>
+        <p:spPr>
+          <a:xfrm>
+            <a:off x="6634004" y="1299495"/>
+            <a:ext cx="680352" cy="864970"/>
+          </a:xfrm>
+          <a:prstGeom prst="rect">
+            <a:avLst/>
+          </a:prstGeom>
+        </p:spPr>
+      </p:pic>
+      <p:cxnSp>
+        <p:nvCxnSpPr>
+          <p:cNvPr id="13" name="Straight Connector 12">
+            <a:extLst>
+              <a:ext uri="{FF2B5EF4-FFF2-40B4-BE49-F238E27FC236}">
+                <a16:creationId xmlns:a16="http://schemas.microsoft.com/office/drawing/2014/main" id="{7BAC4503-8691-4090-8937-1A4908A4E706}"/>
+              </a:ext>
+            </a:extLst>
+          </p:cNvPr>
+          <p:cNvCxnSpPr>
+            <a:stCxn id="5" idx="0"/>
+            <a:endCxn id="7" idx="1"/>
+          </p:cNvCxnSpPr>
+          <p:nvPr/>
+        </p:nvCxnSpPr>
+        <p:spPr>
+          <a:xfrm flipV="1">
+            <a:off x="3065597" y="1734885"/>
+            <a:ext cx="1284315" cy="1"/>
+          </a:xfrm>
+          <a:prstGeom prst="line">
+            <a:avLst/>
+          </a:prstGeom>
+          <a:ln w="12700">
+            <a:solidFill>
+              <a:schemeClr val="tx1"/>
+            </a:solidFill>
+          </a:ln>
+        </p:spPr>
+        <p:style>
+          <a:lnRef idx="1">
+            <a:schemeClr val="accent1"/>
+          </a:lnRef>
+          <a:fillRef idx="0">
+            <a:schemeClr val="accent1"/>
+          </a:fillRef>
+          <a:effectRef idx="0">
+            <a:schemeClr val="accent1"/>
+          </a:effectRef>
+          <a:fontRef idx="minor">
+            <a:schemeClr val="tx1"/>
+          </a:fontRef>
+        </p:style>
+      </p:cxnSp>
+      <p:sp>
+        <p:nvSpPr>
+          <p:cNvPr id="14" name="TextBox 13">
+            <a:extLst>
+              <a:ext uri="{FF2B5EF4-FFF2-40B4-BE49-F238E27FC236}">
+                <a16:creationId xmlns:a16="http://schemas.microsoft.com/office/drawing/2014/main" id="{7738EDB9-6DF7-44FC-8ECF-41426E2FBCC5}"/>
+              </a:ext>
+            </a:extLst>
+          </p:cNvPr>
+          <p:cNvSpPr txBox="1"/>
+          <p:nvPr/>
+        </p:nvSpPr>
+        <p:spPr>
+          <a:xfrm>
+            <a:off x="6595890" y="2141315"/>
+            <a:ext cx="718466" cy="369332"/>
+          </a:xfrm>
+          <a:prstGeom prst="rect">
+            <a:avLst/>
+          </a:prstGeom>
+          <a:noFill/>
+        </p:spPr>
+        <p:txBody>
+          <a:bodyPr wrap="none" rtlCol="0">
+            <a:spAutoFit/>
+          </a:bodyPr>
+          <a:lstStyle/>
+          <a:p>
+            <a:r>
+              <a:rPr lang="en-SG" dirty="0"/>
+              <a:t>SEPM</a:t>
+            </a:r>
+          </a:p>
+        </p:txBody>
+      </p:sp>
+      <p:sp>
+        <p:nvSpPr>
+          <p:cNvPr id="16" name="TextBox 15">
+            <a:extLst>
+              <a:ext uri="{FF2B5EF4-FFF2-40B4-BE49-F238E27FC236}">
+                <a16:creationId xmlns:a16="http://schemas.microsoft.com/office/drawing/2014/main" id="{9B0D3FD3-F194-4C9E-AE3D-930BB6E8A9ED}"/>
+              </a:ext>
+            </a:extLst>
+          </p:cNvPr>
+          <p:cNvSpPr txBox="1"/>
+          <p:nvPr/>
+        </p:nvSpPr>
+        <p:spPr>
+          <a:xfrm>
+            <a:off x="4349912" y="2167370"/>
+            <a:ext cx="552972" cy="369332"/>
+          </a:xfrm>
+          <a:prstGeom prst="rect">
+            <a:avLst/>
+          </a:prstGeom>
+          <a:noFill/>
+        </p:spPr>
+        <p:txBody>
+          <a:bodyPr wrap="none" rtlCol="0">
+            <a:spAutoFit/>
+          </a:bodyPr>
+          <a:lstStyle/>
+          <a:p>
+            <a:r>
+              <a:rPr lang="en-SG" dirty="0"/>
+              <a:t>LUA</a:t>
+            </a:r>
+          </a:p>
+        </p:txBody>
+      </p:sp>
+      <p:sp>
+        <p:nvSpPr>
+          <p:cNvPr id="18" name="TextBox 17">
+            <a:extLst>
+              <a:ext uri="{FF2B5EF4-FFF2-40B4-BE49-F238E27FC236}">
+                <a16:creationId xmlns:a16="http://schemas.microsoft.com/office/drawing/2014/main" id="{29B89F4A-070F-4734-B7DA-7D44AE5CDBAF}"/>
+              </a:ext>
+            </a:extLst>
+          </p:cNvPr>
+          <p:cNvSpPr txBox="1"/>
+          <p:nvPr/>
+        </p:nvSpPr>
+        <p:spPr>
+          <a:xfrm>
+            <a:off x="9261733" y="1401330"/>
+            <a:ext cx="1115498" cy="369332"/>
+          </a:xfrm>
+          <a:prstGeom prst="rect">
+            <a:avLst/>
+          </a:prstGeom>
+          <a:noFill/>
+        </p:spPr>
+        <p:txBody>
+          <a:bodyPr wrap="none" rtlCol="0">
+            <a:spAutoFit/>
+          </a:bodyPr>
+          <a:lstStyle/>
+          <a:p>
+            <a:r>
+              <a:rPr lang="en-SG" dirty="0"/>
+              <a:t>SEP Client</a:t>
+            </a:r>
+          </a:p>
+        </p:txBody>
+      </p:sp>
+      <p:sp>
+        <p:nvSpPr>
+          <p:cNvPr id="19" name="Rectangle 18">
+            <a:extLst>
+              <a:ext uri="{FF2B5EF4-FFF2-40B4-BE49-F238E27FC236}">
+                <a16:creationId xmlns:a16="http://schemas.microsoft.com/office/drawing/2014/main" id="{283B059A-76F1-4B9D-B0A3-A340467EEB23}"/>
+              </a:ext>
+            </a:extLst>
+          </p:cNvPr>
+          <p:cNvSpPr/>
+          <p:nvPr/>
+        </p:nvSpPr>
+        <p:spPr>
+          <a:xfrm>
+            <a:off x="3518704" y="243069"/>
+            <a:ext cx="2360412" cy="3495556"/>
+          </a:xfrm>
+          <a:prstGeom prst="rect">
+            <a:avLst/>
+          </a:prstGeom>
+          <a:noFill/>
+          <a:ln w="19050">
+            <a:prstDash val="dash"/>
+          </a:ln>
+        </p:spPr>
+        <p:style>
+          <a:lnRef idx="2">
+            <a:schemeClr val="accent1">
+              <a:shade val="50000"/>
+            </a:schemeClr>
+          </a:lnRef>
+          <a:fillRef idx="1">
+            <a:schemeClr val="accent1"/>
+          </a:fillRef>
+          <a:effectRef idx="0">
+            <a:schemeClr val="accent1"/>
+          </a:effectRef>
+          <a:fontRef idx="minor">
+            <a:schemeClr val="lt1"/>
+          </a:fontRef>
+        </p:style>
+        <p:txBody>
+          <a:bodyPr rtlCol="0" anchor="ctr"/>
+          <a:lstStyle/>
+          <a:p>
+            <a:pPr algn="ctr"/>
+            <a:endParaRPr lang="en-SG"/>
+          </a:p>
+        </p:txBody>
+      </p:sp>
+      <p:sp>
+        <p:nvSpPr>
+          <p:cNvPr id="20" name="TextBox 19">
+            <a:extLst>
+              <a:ext uri="{FF2B5EF4-FFF2-40B4-BE49-F238E27FC236}">
+                <a16:creationId xmlns:a16="http://schemas.microsoft.com/office/drawing/2014/main" id="{BBE30A07-E2DE-4E73-8C98-F3F92A64DF9F}"/>
+              </a:ext>
+            </a:extLst>
+          </p:cNvPr>
+          <p:cNvSpPr txBox="1"/>
+          <p:nvPr/>
+        </p:nvSpPr>
+        <p:spPr>
+          <a:xfrm>
+            <a:off x="3620499" y="359345"/>
+            <a:ext cx="631904" cy="369332"/>
+          </a:xfrm>
+          <a:prstGeom prst="rect">
+            <a:avLst/>
+          </a:prstGeom>
+          <a:noFill/>
+        </p:spPr>
+        <p:txBody>
+          <a:bodyPr wrap="none" rtlCol="0">
+            <a:spAutoFit/>
+          </a:bodyPr>
+          <a:lstStyle/>
+          <a:p>
+            <a:r>
+              <a:rPr lang="en-SG" dirty="0"/>
+              <a:t>DMZ</a:t>
+            </a:r>
+          </a:p>
+        </p:txBody>
+      </p:sp>
+      <p:sp>
+        <p:nvSpPr>
+          <p:cNvPr id="22" name="TextBox 21">
+            <a:extLst>
+              <a:ext uri="{FF2B5EF4-FFF2-40B4-BE49-F238E27FC236}">
+                <a16:creationId xmlns:a16="http://schemas.microsoft.com/office/drawing/2014/main" id="{8522FE91-F06D-4C2F-BD96-D48D8B40BD2C}"/>
+              </a:ext>
+            </a:extLst>
+          </p:cNvPr>
+          <p:cNvSpPr txBox="1"/>
+          <p:nvPr/>
+        </p:nvSpPr>
+        <p:spPr>
+          <a:xfrm>
+            <a:off x="5996933" y="359345"/>
+            <a:ext cx="1529458" cy="369332"/>
+          </a:xfrm>
+          <a:prstGeom prst="rect">
+            <a:avLst/>
+          </a:prstGeom>
+          <a:noFill/>
+        </p:spPr>
+        <p:txBody>
+          <a:bodyPr wrap="none" rtlCol="0">
+            <a:spAutoFit/>
+          </a:bodyPr>
+          <a:lstStyle/>
+          <a:p>
+            <a:r>
+              <a:rPr lang="en-SG" dirty="0"/>
+              <a:t>Main Network</a:t>
+            </a:r>
+          </a:p>
+        </p:txBody>
+      </p:sp>
+      <p:sp>
+        <p:nvSpPr>
+          <p:cNvPr id="24" name="Rectangle 23">
+            <a:extLst>
+              <a:ext uri="{FF2B5EF4-FFF2-40B4-BE49-F238E27FC236}">
+                <a16:creationId xmlns:a16="http://schemas.microsoft.com/office/drawing/2014/main" id="{89AF82A1-99B4-4279-9576-5E961FBF65E2}"/>
+              </a:ext>
+            </a:extLst>
+          </p:cNvPr>
+          <p:cNvSpPr/>
+          <p:nvPr/>
+        </p:nvSpPr>
+        <p:spPr>
+          <a:xfrm>
+            <a:off x="5881769" y="243068"/>
+            <a:ext cx="5438272" cy="3495556"/>
+          </a:xfrm>
+          <a:prstGeom prst="rect">
+            <a:avLst/>
+          </a:prstGeom>
+          <a:noFill/>
+          <a:ln w="19050">
+            <a:prstDash val="dash"/>
+          </a:ln>
+        </p:spPr>
+        <p:style>
+          <a:lnRef idx="2">
+            <a:schemeClr val="accent1">
+              <a:shade val="50000"/>
+            </a:schemeClr>
+          </a:lnRef>
+          <a:fillRef idx="1">
+            <a:schemeClr val="accent1"/>
+          </a:fillRef>
+          <a:effectRef idx="0">
+            <a:schemeClr val="accent1"/>
+          </a:effectRef>
+          <a:fontRef idx="minor">
+            <a:schemeClr val="lt1"/>
+          </a:fontRef>
+        </p:style>
+        <p:txBody>
+          <a:bodyPr rtlCol="0" anchor="ctr"/>
+          <a:lstStyle/>
+          <a:p>
+            <a:pPr algn="ctr"/>
+            <a:endParaRPr lang="en-SG"/>
+          </a:p>
+        </p:txBody>
+      </p:sp>
+      <p:cxnSp>
+        <p:nvCxnSpPr>
+          <p:cNvPr id="25" name="Straight Connector 24">
+            <a:extLst>
+              <a:ext uri="{FF2B5EF4-FFF2-40B4-BE49-F238E27FC236}">
+                <a16:creationId xmlns:a16="http://schemas.microsoft.com/office/drawing/2014/main" id="{7070C7C5-87F2-493A-80F0-36EBF0A224B7}"/>
+              </a:ext>
+            </a:extLst>
+          </p:cNvPr>
+          <p:cNvCxnSpPr>
+            <a:cxnSpLocks/>
+            <a:stCxn id="7" idx="3"/>
+            <a:endCxn id="9" idx="1"/>
+          </p:cNvCxnSpPr>
+          <p:nvPr/>
+        </p:nvCxnSpPr>
+        <p:spPr>
+          <a:xfrm flipV="1">
+            <a:off x="5030264" y="1731980"/>
+            <a:ext cx="1603740" cy="2905"/>
+          </a:xfrm>
+          <a:prstGeom prst="line">
+            <a:avLst/>
+          </a:prstGeom>
+          <a:ln w="12700">
+            <a:solidFill>
+              <a:schemeClr val="tx1"/>
+            </a:solidFill>
+          </a:ln>
+        </p:spPr>
+        <p:style>
+          <a:lnRef idx="1">
+            <a:schemeClr val="accent1"/>
+          </a:lnRef>
+          <a:fillRef idx="0">
+            <a:schemeClr val="accent1"/>
+          </a:fillRef>
+          <a:effectRef idx="0">
+            <a:schemeClr val="accent1"/>
+          </a:effectRef>
+          <a:fontRef idx="minor">
+            <a:schemeClr val="tx1"/>
+          </a:fontRef>
+        </p:style>
+      </p:cxnSp>
+      <p:pic>
+        <p:nvPicPr>
+          <p:cNvPr id="30" name="Picture 29">
+            <a:extLst>
+              <a:ext uri="{FF2B5EF4-FFF2-40B4-BE49-F238E27FC236}">
+                <a16:creationId xmlns:a16="http://schemas.microsoft.com/office/drawing/2014/main" id="{25D75367-E04F-41A5-A882-CE23F6164D2C}"/>
+              </a:ext>
+            </a:extLst>
+          </p:cNvPr>
+          <p:cNvPicPr>
+            <a:picLocks noChangeAspect="1"/>
+          </p:cNvPicPr>
+          <p:nvPr/>
+        </p:nvPicPr>
+        <p:blipFill>
+          <a:blip r:embed="rId2">
+            <a:extLst>
+              <a:ext uri="{28A0092B-C50C-407E-A947-70E740481C1C}">
+                <a14:useLocalDpi xmlns:a14="http://schemas.microsoft.com/office/drawing/2010/main" val="0"/>
+              </a:ext>
+            </a:extLst>
+          </a:blip>
+          <a:stretch>
+            <a:fillRect/>
+          </a:stretch>
+        </p:blipFill>
+        <p:spPr>
+          <a:xfrm>
+            <a:off x="9479306" y="562674"/>
+            <a:ext cx="680352" cy="864970"/>
+          </a:xfrm>
+          <a:prstGeom prst="rect">
+            <a:avLst/>
+          </a:prstGeom>
+        </p:spPr>
+      </p:pic>
+      <p:sp>
+        <p:nvSpPr>
+          <p:cNvPr id="34" name="TextBox 33">
+            <a:extLst>
+              <a:ext uri="{FF2B5EF4-FFF2-40B4-BE49-F238E27FC236}">
+                <a16:creationId xmlns:a16="http://schemas.microsoft.com/office/drawing/2014/main" id="{D167A658-11C0-461A-B949-F74DA52BB780}"/>
+              </a:ext>
+            </a:extLst>
+          </p:cNvPr>
+          <p:cNvSpPr txBox="1"/>
+          <p:nvPr/>
+        </p:nvSpPr>
+        <p:spPr>
+          <a:xfrm>
+            <a:off x="9261733" y="3104956"/>
+            <a:ext cx="1115498" cy="369332"/>
+          </a:xfrm>
+          <a:prstGeom prst="rect">
+            <a:avLst/>
+          </a:prstGeom>
+          <a:noFill/>
+        </p:spPr>
+        <p:txBody>
+          <a:bodyPr wrap="none" rtlCol="0">
+            <a:spAutoFit/>
+          </a:bodyPr>
+          <a:lstStyle/>
+          <a:p>
+            <a:r>
+              <a:rPr lang="en-SG" dirty="0"/>
+              <a:t>SEP Client</a:t>
+            </a:r>
+          </a:p>
+        </p:txBody>
+      </p:sp>
+      <p:pic>
+        <p:nvPicPr>
+          <p:cNvPr id="36" name="Picture 35">
+            <a:extLst>
+              <a:ext uri="{FF2B5EF4-FFF2-40B4-BE49-F238E27FC236}">
+                <a16:creationId xmlns:a16="http://schemas.microsoft.com/office/drawing/2014/main" id="{C57EC4E9-CA79-4F04-81E6-ACB7A9684846}"/>
+              </a:ext>
+            </a:extLst>
+          </p:cNvPr>
+          <p:cNvPicPr>
+            <a:picLocks noChangeAspect="1"/>
+          </p:cNvPicPr>
+          <p:nvPr/>
+        </p:nvPicPr>
+        <p:blipFill>
+          <a:blip r:embed="rId2">
+            <a:extLst>
+              <a:ext uri="{28A0092B-C50C-407E-A947-70E740481C1C}">
+                <a14:useLocalDpi xmlns:a14="http://schemas.microsoft.com/office/drawing/2010/main" val="0"/>
+              </a:ext>
+            </a:extLst>
+          </a:blip>
+          <a:stretch>
+            <a:fillRect/>
+          </a:stretch>
+        </p:blipFill>
+        <p:spPr>
+          <a:xfrm>
+            <a:off x="9479306" y="2266300"/>
+            <a:ext cx="680352" cy="864970"/>
+          </a:xfrm>
+          <a:prstGeom prst="rect">
+            <a:avLst/>
+          </a:prstGeom>
+        </p:spPr>
+      </p:pic>
+      <p:cxnSp>
+        <p:nvCxnSpPr>
+          <p:cNvPr id="37" name="Straight Connector 36">
+            <a:extLst>
+              <a:ext uri="{FF2B5EF4-FFF2-40B4-BE49-F238E27FC236}">
+                <a16:creationId xmlns:a16="http://schemas.microsoft.com/office/drawing/2014/main" id="{41397960-8F2A-4C44-AEFC-B63EB4E221F0}"/>
+              </a:ext>
+            </a:extLst>
+          </p:cNvPr>
+          <p:cNvCxnSpPr>
+            <a:cxnSpLocks/>
+            <a:stCxn id="30" idx="1"/>
+            <a:endCxn id="9" idx="3"/>
+          </p:cNvCxnSpPr>
+          <p:nvPr/>
+        </p:nvCxnSpPr>
+        <p:spPr>
+          <a:xfrm flipH="1">
+            <a:off x="7314356" y="995159"/>
+            <a:ext cx="2164950" cy="736821"/>
+          </a:xfrm>
+          <a:prstGeom prst="line">
+            <a:avLst/>
+          </a:prstGeom>
+          <a:ln w="12700">
+            <a:solidFill>
+              <a:schemeClr val="tx1"/>
+            </a:solidFill>
+          </a:ln>
+        </p:spPr>
+        <p:style>
+          <a:lnRef idx="1">
+            <a:schemeClr val="accent1"/>
+          </a:lnRef>
+          <a:fillRef idx="0">
+            <a:schemeClr val="accent1"/>
+          </a:fillRef>
+          <a:effectRef idx="0">
+            <a:schemeClr val="accent1"/>
+          </a:effectRef>
+          <a:fontRef idx="minor">
+            <a:schemeClr val="tx1"/>
+          </a:fontRef>
+        </p:style>
+      </p:cxnSp>
+      <p:cxnSp>
+        <p:nvCxnSpPr>
+          <p:cNvPr id="41" name="Straight Connector 40">
+            <a:extLst>
+              <a:ext uri="{FF2B5EF4-FFF2-40B4-BE49-F238E27FC236}">
+                <a16:creationId xmlns:a16="http://schemas.microsoft.com/office/drawing/2014/main" id="{59DC12FF-1DCC-4725-A87F-2FB65F0B6DE9}"/>
+              </a:ext>
+            </a:extLst>
+          </p:cNvPr>
+          <p:cNvCxnSpPr>
+            <a:cxnSpLocks/>
+            <a:stCxn id="36" idx="1"/>
+            <a:endCxn id="9" idx="3"/>
+          </p:cNvCxnSpPr>
+          <p:nvPr/>
+        </p:nvCxnSpPr>
+        <p:spPr>
+          <a:xfrm flipH="1" flipV="1">
+            <a:off x="7314356" y="1731980"/>
+            <a:ext cx="2164950" cy="966805"/>
+          </a:xfrm>
+          <a:prstGeom prst="line">
+            <a:avLst/>
+          </a:prstGeom>
+          <a:ln w="12700">
+            <a:solidFill>
+              <a:schemeClr val="tx1"/>
+            </a:solidFill>
+          </a:ln>
+        </p:spPr>
+        <p:style>
+          <a:lnRef idx="1">
+            <a:schemeClr val="accent1"/>
+          </a:lnRef>
+          <a:fillRef idx="0">
+            <a:schemeClr val="accent1"/>
+          </a:fillRef>
+          <a:effectRef idx="0">
+            <a:schemeClr val="accent1"/>
+          </a:effectRef>
+          <a:fontRef idx="minor">
+            <a:schemeClr val="tx1"/>
+          </a:fontRef>
+        </p:style>
+      </p:cxnSp>
+    </p:spTree>
+    <p:extLst>
+      <p:ext uri="{BB962C8B-B14F-4D97-AF65-F5344CB8AC3E}">
+        <p14:creationId xmlns:p14="http://schemas.microsoft.com/office/powerpoint/2010/main" val="531968587"/>
       </p:ext>
     </p:extLst>
   </p:cSld>
